--- a/Handouts/am Handouts/AM_Handout_Werte_Prinzipien.pptx
+++ b/Handouts/am Handouts/AM_Handout_Werte_Prinzipien.pptx
@@ -2685,8 +2685,8 @@
         </p:nvGrpSpPr>
         <p:grpSpPr>
           <a:xfrm>
-            <a:off x="1802019" y="2469780"/>
-            <a:ext cx="3196052" cy="2116577"/>
+            <a:off x="608839" y="2566217"/>
+            <a:ext cx="2712071" cy="1745604"/>
             <a:chOff x="1621766" y="2967487"/>
             <a:chExt cx="3571336" cy="2415396"/>
           </a:xfrm>
@@ -2757,12 +2757,12 @@
             <a:p>
               <a:pPr algn="ctr"/>
               <a:r>
-                <a:rPr lang="de-DE" sz="1400" dirty="0" smtClean="0">
+                <a:rPr lang="de-DE" sz="1050" dirty="0" smtClean="0">
                   <a:latin typeface="Avenir Heavy" charset="0"/>
                 </a:rPr>
                 <a:t>Kontinuierliche Synchronisation</a:t>
               </a:r>
-              <a:endParaRPr lang="de-DE" sz="1400" dirty="0">
+              <a:endParaRPr lang="de-DE" sz="1050" dirty="0">
                 <a:latin typeface="Avenir Heavy" charset="0"/>
               </a:endParaRPr>
             </a:p>
@@ -2834,7 +2834,7 @@
             <a:p>
               <a:pPr algn="ctr"/>
               <a:r>
-                <a:rPr lang="de-DE" sz="1400" dirty="0">
+                <a:rPr lang="de-DE" sz="1050" dirty="0">
                   <a:latin typeface="Avenir Heavy" charset="0"/>
                 </a:rPr>
                 <a:t>Augenhöhe</a:t>
@@ -2908,7 +2908,7 @@
             <a:p>
               <a:pPr algn="ctr"/>
               <a:r>
-                <a:rPr lang="de-DE" dirty="0"/>
+                <a:rPr lang="de-DE" sz="1200" dirty="0"/>
                 <a:t>Kaizen</a:t>
               </a:r>
             </a:p>
@@ -2980,14 +2980,14 @@
             <a:p>
               <a:pPr algn="ctr"/>
               <a:r>
-                <a:rPr lang="de-DE" dirty="0"/>
+                <a:rPr lang="de-DE" sz="1200" dirty="0"/>
                 <a:t>Team-</a:t>
               </a:r>
               <a:r>
-                <a:rPr lang="de-DE" dirty="0" err="1"/>
+                <a:rPr lang="de-DE" sz="1200" dirty="0" err="1"/>
                 <a:t>resilienz</a:t>
               </a:r>
-              <a:endParaRPr lang="de-DE" dirty="0"/>
+              <a:endParaRPr lang="de-DE" sz="1200" dirty="0"/>
             </a:p>
           </p:txBody>
         </p:sp>
@@ -2999,8 +2999,8 @@
           </p:nvSpPr>
           <p:spPr>
             <a:xfrm>
-              <a:off x="2705900" y="4189957"/>
-              <a:ext cx="1399308" cy="526843"/>
+              <a:off x="2766106" y="4189957"/>
+              <a:ext cx="1180405" cy="468458"/>
             </a:xfrm>
             <a:prstGeom prst="rect">
               <a:avLst/>
@@ -3014,7 +3014,7 @@
             <a:lstStyle/>
             <a:p>
               <a:r>
-                <a:rPr lang="de-DE" sz="2400" cap="all" dirty="0" err="1" smtClean="0">
+                <a:rPr lang="de-DE" sz="1600" cap="all" dirty="0" err="1" smtClean="0">
                   <a:solidFill>
                     <a:srgbClr val="23BAE3"/>
                   </a:solidFill>
@@ -3024,7 +3024,7 @@
                 </a:rPr>
                 <a:t>Moves</a:t>
               </a:r>
-              <a:endParaRPr lang="de-DE" sz="2400" cap="all" dirty="0">
+              <a:endParaRPr lang="de-DE" sz="1600" cap="all" dirty="0">
                 <a:solidFill>
                   <a:srgbClr val="23BAE3"/>
                 </a:solidFill>
@@ -3054,31 +3054,31 @@
         </p:spPr>
         <p:txBody>
           <a:bodyPr>
-            <a:normAutofit/>
+            <a:noAutofit/>
           </a:bodyPr>
           <a:lstStyle/>
           <a:p>
             <a:r>
-              <a:rPr lang="de-DE" sz="1400" cap="all" dirty="0" smtClean="0"/>
+              <a:rPr lang="de-DE" sz="1800" cap="all" dirty="0" smtClean="0"/>
               <a:t>Agile </a:t>
             </a:r>
             <a:r>
-              <a:rPr lang="de-DE" sz="1400" cap="all" dirty="0" err="1" smtClean="0"/>
+              <a:rPr lang="de-DE" sz="1800" cap="all" dirty="0" err="1" smtClean="0"/>
               <a:t>Moves</a:t>
             </a:r>
             <a:r>
-              <a:rPr lang="de-DE" sz="1400" cap="all" dirty="0" smtClean="0"/>
+              <a:rPr lang="de-DE" sz="1800" cap="all" dirty="0" smtClean="0"/>
               <a:t> </a:t>
             </a:r>
             <a:r>
-              <a:rPr lang="de-DE" sz="1400" b="1" cap="all" dirty="0" smtClean="0">
+              <a:rPr lang="de-DE" sz="1800" b="1" cap="all" dirty="0" smtClean="0">
                 <a:latin typeface="Avenir Heavy" charset="0"/>
                 <a:ea typeface="Avenir Heavy" charset="0"/>
                 <a:cs typeface="Avenir Heavy" charset="0"/>
               </a:rPr>
               <a:t>Werte</a:t>
             </a:r>
-            <a:endParaRPr lang="de-DE" sz="1400" b="1" cap="all" dirty="0">
+            <a:endParaRPr lang="de-DE" sz="1800" b="1" cap="all" dirty="0">
               <a:latin typeface="Avenir Heavy" charset="0"/>
               <a:ea typeface="Avenir Heavy" charset="0"/>
               <a:cs typeface="Avenir Heavy" charset="0"/>
@@ -3096,7 +3096,7 @@
         </p:nvSpPr>
         <p:spPr>
           <a:xfrm>
-            <a:off x="828295" y="4893254"/>
+            <a:off x="828295" y="4829246"/>
             <a:ext cx="5143500" cy="287119"/>
           </a:xfrm>
           <a:prstGeom prst="rect">
@@ -3105,7 +3105,7 @@
         </p:spPr>
         <p:txBody>
           <a:bodyPr vert="horz" lIns="91440" tIns="45720" rIns="91440" bIns="45720" rtlCol="0">
-            <a:normAutofit/>
+            <a:noAutofit/>
           </a:bodyPr>
           <a:lstStyle>
             <a:lvl1pPr marL="0" indent="0" algn="ctr" defTabSz="685800" rtl="0" eaLnBrk="1" latinLnBrk="0" hangingPunct="1">
@@ -3283,26 +3283,26 @@
           </a:lstStyle>
           <a:p>
             <a:r>
-              <a:rPr lang="de-DE" sz="1400" cap="all" dirty="0" smtClean="0"/>
+              <a:rPr lang="de-DE" sz="1800" cap="all" dirty="0" smtClean="0"/>
               <a:t>Agile </a:t>
             </a:r>
             <a:r>
-              <a:rPr lang="de-DE" sz="1400" cap="all" dirty="0" err="1" smtClean="0"/>
+              <a:rPr lang="de-DE" sz="1800" cap="all" dirty="0" err="1" smtClean="0"/>
               <a:t>Moves</a:t>
             </a:r>
             <a:r>
-              <a:rPr lang="de-DE" sz="1400" cap="all" dirty="0" smtClean="0"/>
+              <a:rPr lang="de-DE" sz="1800" cap="all" dirty="0" smtClean="0"/>
               <a:t> </a:t>
             </a:r>
             <a:r>
-              <a:rPr lang="de-DE" sz="1400" b="1" cap="all" dirty="0" smtClean="0">
+              <a:rPr lang="de-DE" sz="1800" b="1" cap="all" dirty="0" smtClean="0">
                 <a:latin typeface="Avenir Heavy" charset="0"/>
                 <a:ea typeface="Avenir Heavy" charset="0"/>
                 <a:cs typeface="Avenir Heavy" charset="0"/>
               </a:rPr>
               <a:t>Prinzipien</a:t>
             </a:r>
-            <a:endParaRPr lang="de-DE" sz="1400" b="1" cap="all" dirty="0">
+            <a:endParaRPr lang="de-DE" sz="1800" b="1" cap="all" dirty="0">
               <a:latin typeface="Avenir Heavy" charset="0"/>
               <a:ea typeface="Avenir Heavy" charset="0"/>
               <a:cs typeface="Avenir Heavy" charset="0"/>
@@ -3318,7 +3318,7 @@
         </p:nvSpPr>
         <p:spPr>
           <a:xfrm>
-            <a:off x="729208" y="5204951"/>
+            <a:off x="610336" y="5140943"/>
             <a:ext cx="5617882" cy="4585871"/>
           </a:xfrm>
           <a:prstGeom prst="rect">
@@ -3352,13 +3352,13 @@
               <a:t>   </a:t>
             </a:r>
             <a:r>
-              <a:rPr lang="de-DE" b="1" dirty="0" smtClean="0">
+              <a:rPr lang="de-DE" dirty="0" smtClean="0">
                 <a:solidFill>
                   <a:srgbClr val="23BAE3"/>
                 </a:solidFill>
-                <a:latin typeface="Bradley Hand" charset="0"/>
-                <a:ea typeface="Bradley Hand" charset="0"/>
-                <a:cs typeface="Bradley Hand" charset="0"/>
+                <a:latin typeface="Avenir Light" charset="0"/>
+                <a:ea typeface="Avenir Light" charset="0"/>
+                <a:cs typeface="Avenir Light" charset="0"/>
               </a:rPr>
               <a:t>1</a:t>
             </a:r>
@@ -3421,13 +3421,13 @@
               <a:t>   </a:t>
             </a:r>
             <a:r>
-              <a:rPr lang="de-DE" b="1" dirty="0" smtClean="0">
+              <a:rPr lang="de-DE" dirty="0" smtClean="0">
                 <a:solidFill>
                   <a:srgbClr val="23BAE3"/>
                 </a:solidFill>
-                <a:latin typeface="Bradley Hand" charset="0"/>
-                <a:ea typeface="Bradley Hand" charset="0"/>
-                <a:cs typeface="Bradley Hand" charset="0"/>
+                <a:latin typeface="Avenir Light" charset="0"/>
+                <a:ea typeface="Avenir Light" charset="0"/>
+                <a:cs typeface="Avenir Light" charset="0"/>
               </a:rPr>
               <a:t>2	</a:t>
             </a:r>
@@ -3442,7 +3442,7 @@
                 <a:ea typeface="Avenir Light" charset="0"/>
                 <a:cs typeface="Avenir Light" charset="0"/>
               </a:rPr>
-              <a:t>Meisterschaft entsteht nicht durch Automatisierung, sondern durch Verständnis</a:t>
+              <a:t>Meisterschaft entsteht nicht durch Automatisierung, sondern durch Verständnis.</a:t>
             </a:r>
           </a:p>
           <a:p>
@@ -3466,13 +3466,13 @@
               <a:t>   </a:t>
             </a:r>
             <a:r>
-              <a:rPr lang="de-DE" b="1" dirty="0" smtClean="0">
+              <a:rPr lang="de-DE" dirty="0" smtClean="0">
                 <a:solidFill>
                   <a:srgbClr val="23BAE3"/>
                 </a:solidFill>
-                <a:latin typeface="Bradley Hand" charset="0"/>
-                <a:ea typeface="Bradley Hand" charset="0"/>
-                <a:cs typeface="Bradley Hand" charset="0"/>
+                <a:latin typeface="Avenir Light" charset="0"/>
+                <a:ea typeface="Avenir Light" charset="0"/>
+                <a:cs typeface="Avenir Light" charset="0"/>
               </a:rPr>
               <a:t>3  </a:t>
             </a:r>
@@ -3511,13 +3511,13 @@
               <a:t>   </a:t>
             </a:r>
             <a:r>
-              <a:rPr lang="de-DE" b="1" dirty="0" smtClean="0">
+              <a:rPr lang="de-DE" dirty="0" smtClean="0">
                 <a:solidFill>
                   <a:srgbClr val="23BAE3"/>
                 </a:solidFill>
-                <a:latin typeface="Bradley Hand" charset="0"/>
-                <a:ea typeface="Bradley Hand" charset="0"/>
-                <a:cs typeface="Bradley Hand" charset="0"/>
+                <a:latin typeface="Avenir Light" charset="0"/>
+                <a:ea typeface="Avenir Light" charset="0"/>
+                <a:cs typeface="Avenir Light" charset="0"/>
               </a:rPr>
               <a:t>4  </a:t>
             </a:r>
@@ -3569,13 +3569,13 @@
               <a:t>   </a:t>
             </a:r>
             <a:r>
-              <a:rPr lang="de-DE" b="1" dirty="0">
+              <a:rPr lang="de-DE" dirty="0">
                 <a:solidFill>
                   <a:srgbClr val="23BAE3"/>
                 </a:solidFill>
-                <a:latin typeface="Bradley Hand" charset="0"/>
-                <a:ea typeface="Bradley Hand" charset="0"/>
-                <a:cs typeface="Bradley Hand" charset="0"/>
+                <a:latin typeface="Avenir Light" charset="0"/>
+                <a:ea typeface="Avenir Light" charset="0"/>
+                <a:cs typeface="Avenir Light" charset="0"/>
               </a:rPr>
               <a:t>5  </a:t>
             </a:r>
@@ -3603,7 +3603,45 @@
                 <a:ea typeface="Avenir Light" charset="0"/>
                 <a:cs typeface="Avenir Light" charset="0"/>
               </a:rPr>
-              <a:t>Teamleistung ist ein Zusammenspiel aus individuellen Fähigkeiten und der </a:t>
+              <a:t>Teamleistung ist ein Zusammenspiel aus individuellen Fähigkeiten und </a:t>
+            </a:r>
+            <a:r>
+              <a:rPr lang="de-DE" sz="1050" dirty="0" smtClean="0">
+                <a:solidFill>
+                  <a:schemeClr val="bg1">
+                    <a:lumMod val="50000"/>
+                  </a:schemeClr>
+                </a:solidFill>
+                <a:latin typeface="Avenir Light" charset="0"/>
+                <a:ea typeface="Avenir Light" charset="0"/>
+                <a:cs typeface="Avenir Light" charset="0"/>
+              </a:rPr>
+              <a:t/>
+            </a:r>
+            <a:br>
+              <a:rPr lang="de-DE" sz="1050" dirty="0" smtClean="0">
+                <a:solidFill>
+                  <a:schemeClr val="bg1">
+                    <a:lumMod val="50000"/>
+                  </a:schemeClr>
+                </a:solidFill>
+                <a:latin typeface="Avenir Light" charset="0"/>
+                <a:ea typeface="Avenir Light" charset="0"/>
+                <a:cs typeface="Avenir Light" charset="0"/>
+              </a:rPr>
+            </a:br>
+            <a:r>
+              <a:rPr lang="de-DE" sz="1050" dirty="0" smtClean="0">
+                <a:solidFill>
+                  <a:schemeClr val="bg1">
+                    <a:lumMod val="50000"/>
+                  </a:schemeClr>
+                </a:solidFill>
+                <a:latin typeface="Avenir Light" charset="0"/>
+                <a:ea typeface="Avenir Light" charset="0"/>
+                <a:cs typeface="Avenir Light" charset="0"/>
+              </a:rPr>
+              <a:t>der </a:t>
             </a:r>
             <a:r>
               <a:rPr lang="de-DE" sz="1050" dirty="0">
@@ -3653,24 +3691,24 @@
               <a:t>   </a:t>
             </a:r>
             <a:r>
-              <a:rPr lang="de-DE" b="1" dirty="0">
+              <a:rPr lang="de-DE" dirty="0">
                 <a:solidFill>
                   <a:srgbClr val="23BAE3"/>
                 </a:solidFill>
-                <a:latin typeface="Bradley Hand" charset="0"/>
-                <a:ea typeface="Bradley Hand" charset="0"/>
-                <a:cs typeface="Bradley Hand" charset="0"/>
+                <a:latin typeface="Avenir Light" charset="0"/>
+                <a:ea typeface="Avenir Light" charset="0"/>
+                <a:cs typeface="Avenir Light" charset="0"/>
               </a:rPr>
               <a:t>6 </a:t>
             </a:r>
             <a:r>
-              <a:rPr lang="de-DE" b="1" dirty="0" smtClean="0">
+              <a:rPr lang="de-DE" dirty="0" smtClean="0">
                 <a:solidFill>
                   <a:srgbClr val="23BAE3"/>
                 </a:solidFill>
-                <a:latin typeface="Bradley Hand" charset="0"/>
-                <a:ea typeface="Bradley Hand" charset="0"/>
-                <a:cs typeface="Bradley Hand" charset="0"/>
+                <a:latin typeface="Avenir Light" charset="0"/>
+                <a:ea typeface="Avenir Light" charset="0"/>
+                <a:cs typeface="Avenir Light" charset="0"/>
               </a:rPr>
               <a:t> </a:t>
             </a:r>
@@ -3722,13 +3760,13 @@
               <a:t>   </a:t>
             </a:r>
             <a:r>
-              <a:rPr lang="de-DE" b="1" dirty="0" smtClean="0">
+              <a:rPr lang="de-DE" dirty="0" smtClean="0">
                 <a:solidFill>
                   <a:srgbClr val="23BAE3"/>
                 </a:solidFill>
-                <a:latin typeface="Bradley Hand" charset="0"/>
-                <a:ea typeface="Bradley Hand" charset="0"/>
-                <a:cs typeface="Bradley Hand" charset="0"/>
+                <a:latin typeface="Avenir Light" charset="0"/>
+                <a:ea typeface="Avenir Light" charset="0"/>
+                <a:cs typeface="Avenir Light" charset="0"/>
               </a:rPr>
               <a:t>7  </a:t>
             </a:r>
@@ -3780,13 +3818,13 @@
               <a:t>   </a:t>
             </a:r>
             <a:r>
-              <a:rPr lang="de-DE" b="1" dirty="0" smtClean="0">
+              <a:rPr lang="de-DE" dirty="0" smtClean="0">
                 <a:solidFill>
                   <a:srgbClr val="23BAE3"/>
                 </a:solidFill>
-                <a:latin typeface="Bradley Hand" charset="0"/>
-                <a:ea typeface="Bradley Hand" charset="0"/>
-                <a:cs typeface="Bradley Hand" charset="0"/>
+                <a:latin typeface="Avenir Light" charset="0"/>
+                <a:ea typeface="Avenir Light" charset="0"/>
+                <a:cs typeface="Avenir Light" charset="0"/>
               </a:rPr>
               <a:t>8  </a:t>
             </a:r>
@@ -3838,13 +3876,13 @@
               <a:t>   </a:t>
             </a:r>
             <a:r>
-              <a:rPr lang="de-DE" b="1" dirty="0" smtClean="0">
+              <a:rPr lang="de-DE" dirty="0" smtClean="0">
                 <a:solidFill>
                   <a:srgbClr val="23BAE3"/>
                 </a:solidFill>
-                <a:latin typeface="Bradley Hand" charset="0"/>
-                <a:ea typeface="Bradley Hand" charset="0"/>
-                <a:cs typeface="Bradley Hand" charset="0"/>
+                <a:latin typeface="Avenir Light" charset="0"/>
+                <a:ea typeface="Avenir Light" charset="0"/>
+                <a:cs typeface="Avenir Light" charset="0"/>
               </a:rPr>
               <a:t>9 </a:t>
             </a:r>
@@ -3896,13 +3934,13 @@
               </a:buClr>
             </a:pPr>
             <a:r>
-              <a:rPr lang="de-DE" b="1" dirty="0">
+              <a:rPr lang="de-DE" dirty="0">
                 <a:solidFill>
                   <a:srgbClr val="23BAE3"/>
                 </a:solidFill>
-                <a:latin typeface="Bradley Hand" charset="0"/>
-                <a:ea typeface="Bradley Hand" charset="0"/>
-                <a:cs typeface="Bradley Hand" charset="0"/>
+                <a:latin typeface="Avenir Light" charset="0"/>
+                <a:ea typeface="Avenir Light" charset="0"/>
+                <a:cs typeface="Avenir Light" charset="0"/>
               </a:rPr>
               <a:t>10 </a:t>
             </a:r>
@@ -4018,18 +4056,18 @@
               </a:buClr>
             </a:pPr>
             <a:r>
-              <a:rPr lang="de-DE" b="1" dirty="0" smtClean="0">
+              <a:rPr lang="de-DE" dirty="0" smtClean="0">
                 <a:solidFill>
                   <a:srgbClr val="23BAE3"/>
                 </a:solidFill>
-                <a:latin typeface="Bradley Hand" charset="0"/>
-                <a:ea typeface="Bradley Hand" charset="0"/>
-                <a:cs typeface="Bradley Hand" charset="0"/>
-              </a:rPr>
-              <a:t>11 </a:t>
-            </a:r>
-            <a:r>
-              <a:rPr lang="de-DE" sz="1050" dirty="0">
+                <a:latin typeface="Avenir Light" charset="0"/>
+                <a:ea typeface="Avenir Light" charset="0"/>
+                <a:cs typeface="Avenir Light" charset="0"/>
+              </a:rPr>
+              <a:t>11  </a:t>
+            </a:r>
+            <a:r>
+              <a:rPr lang="de-DE" sz="1050" dirty="0" smtClean="0">
                 <a:solidFill>
                   <a:schemeClr val="bg1">
                     <a:lumMod val="50000"/>
@@ -4065,35 +4103,35 @@
               </a:buClr>
             </a:pPr>
             <a:r>
-              <a:rPr lang="de-DE" b="1" dirty="0">
+              <a:rPr lang="de-DE" dirty="0">
                 <a:solidFill>
                   <a:srgbClr val="23BAE3"/>
                 </a:solidFill>
-                <a:latin typeface="Bradley Hand" charset="0"/>
-                <a:ea typeface="Bradley Hand" charset="0"/>
-                <a:cs typeface="Bradley Hand" charset="0"/>
+                <a:latin typeface="Avenir Light" charset="0"/>
+                <a:ea typeface="Avenir Light" charset="0"/>
+                <a:cs typeface="Avenir Light" charset="0"/>
               </a:rPr>
               <a:t>1</a:t>
             </a:r>
             <a:r>
-              <a:rPr lang="de-DE" b="1" dirty="0">
+              <a:rPr lang="de-DE" dirty="0">
                 <a:solidFill>
                   <a:srgbClr val="23BAE3"/>
                 </a:solidFill>
-                <a:latin typeface="Bradley Hand" charset="0"/>
-                <a:ea typeface="Bradley Hand" charset="0"/>
-                <a:cs typeface="Bradley Hand" charset="0"/>
+                <a:latin typeface="Avenir Light" charset="0"/>
+                <a:ea typeface="Avenir Light" charset="0"/>
+                <a:cs typeface="Avenir Light" charset="0"/>
               </a:rPr>
               <a:t>2</a:t>
             </a:r>
             <a:r>
-              <a:rPr lang="de-DE" b="1" dirty="0">
+              <a:rPr lang="de-DE" dirty="0">
                 <a:solidFill>
                   <a:srgbClr val="23BAE3"/>
                 </a:solidFill>
-                <a:latin typeface="Bradley Hand" charset="0"/>
-                <a:ea typeface="Bradley Hand" charset="0"/>
-                <a:cs typeface="Bradley Hand" charset="0"/>
+                <a:latin typeface="Avenir Light" charset="0"/>
+                <a:ea typeface="Avenir Light" charset="0"/>
+                <a:cs typeface="Avenir Light" charset="0"/>
               </a:rPr>
               <a:t>  </a:t>
             </a:r>
@@ -4146,6 +4184,218 @@
               <a:ea typeface="Avenir Light" charset="0"/>
               <a:cs typeface="Avenir Light" charset="0"/>
             </a:endParaRPr>
+          </a:p>
+        </p:txBody>
+      </p:sp>
+      <p:sp>
+        <p:nvSpPr>
+          <p:cNvPr id="20" name="Textfeld 19"/>
+          <p:cNvSpPr txBox="1"/>
+          <p:nvPr/>
+        </p:nvSpPr>
+        <p:spPr>
+          <a:xfrm>
+            <a:off x="3245541" y="2838855"/>
+            <a:ext cx="3114186" cy="1200329"/>
+          </a:xfrm>
+          <a:prstGeom prst="rect">
+            <a:avLst/>
+          </a:prstGeom>
+          <a:noFill/>
+        </p:spPr>
+        <p:txBody>
+          <a:bodyPr wrap="none" rtlCol="0">
+            <a:spAutoFit/>
+          </a:bodyPr>
+          <a:lstStyle/>
+          <a:p>
+            <a:pPr>
+              <a:lnSpc>
+                <a:spcPct val="150000"/>
+              </a:lnSpc>
+            </a:pPr>
+            <a:r>
+              <a:rPr lang="de-DE" sz="1200" dirty="0">
+                <a:solidFill>
+                  <a:schemeClr val="bg1">
+                    <a:lumMod val="50000"/>
+                  </a:schemeClr>
+                </a:solidFill>
+                <a:latin typeface="Avenir Light" charset="0"/>
+              </a:rPr>
+              <a:t>Augenhöhe ist die </a:t>
+            </a:r>
+            <a:r>
+              <a:rPr lang="de-DE" sz="1200" dirty="0" smtClean="0">
+                <a:solidFill>
+                  <a:schemeClr val="bg1">
+                    <a:lumMod val="50000"/>
+                  </a:schemeClr>
+                </a:solidFill>
+                <a:latin typeface="Avenir Light" charset="0"/>
+              </a:rPr>
+              <a:t>Grundlage.</a:t>
+            </a:r>
+            <a:br>
+              <a:rPr lang="de-DE" sz="1200" dirty="0" smtClean="0">
+                <a:solidFill>
+                  <a:schemeClr val="bg1">
+                    <a:lumMod val="50000"/>
+                  </a:schemeClr>
+                </a:solidFill>
+                <a:latin typeface="Avenir Light" charset="0"/>
+              </a:rPr>
+            </a:br>
+            <a:r>
+              <a:rPr lang="de-DE" sz="1200" dirty="0" smtClean="0">
+                <a:solidFill>
+                  <a:schemeClr val="bg1">
+                    <a:lumMod val="50000"/>
+                  </a:schemeClr>
+                </a:solidFill>
+                <a:latin typeface="Avenir Light" charset="0"/>
+              </a:rPr>
+              <a:t>Kontinuierliche Synchronisation ist das Ziel.</a:t>
+            </a:r>
+          </a:p>
+          <a:p>
+            <a:pPr>
+              <a:lnSpc>
+                <a:spcPct val="150000"/>
+              </a:lnSpc>
+            </a:pPr>
+            <a:r>
+              <a:rPr lang="de-DE" sz="1200" dirty="0" smtClean="0">
+                <a:solidFill>
+                  <a:schemeClr val="bg1">
+                    <a:lumMod val="50000"/>
+                  </a:schemeClr>
+                </a:solidFill>
+                <a:latin typeface="Avenir Light" charset="0"/>
+              </a:rPr>
+              <a:t>Kaizen zeigt den Weg.</a:t>
+            </a:r>
+          </a:p>
+          <a:p>
+            <a:pPr>
+              <a:lnSpc>
+                <a:spcPct val="150000"/>
+              </a:lnSpc>
+            </a:pPr>
+            <a:r>
+              <a:rPr lang="de-DE" sz="1200" dirty="0" err="1" smtClean="0">
+                <a:solidFill>
+                  <a:schemeClr val="bg1">
+                    <a:lumMod val="50000"/>
+                  </a:schemeClr>
+                </a:solidFill>
+                <a:latin typeface="Avenir Light" charset="0"/>
+              </a:rPr>
+              <a:t>Teamresilienz</a:t>
+            </a:r>
+            <a:r>
+              <a:rPr lang="de-DE" sz="1200" dirty="0" smtClean="0">
+                <a:solidFill>
+                  <a:schemeClr val="bg1">
+                    <a:lumMod val="50000"/>
+                  </a:schemeClr>
+                </a:solidFill>
+                <a:latin typeface="Avenir Light" charset="0"/>
+              </a:rPr>
+              <a:t> gibt die Mittel.</a:t>
+            </a:r>
+          </a:p>
+        </p:txBody>
+      </p:sp>
+      <p:sp>
+        <p:nvSpPr>
+          <p:cNvPr id="21" name="Rechteck 20"/>
+          <p:cNvSpPr/>
+          <p:nvPr/>
+        </p:nvSpPr>
+        <p:spPr>
+          <a:xfrm>
+            <a:off x="557784" y="2071867"/>
+            <a:ext cx="5768219" cy="2481845"/>
+          </a:xfrm>
+          <a:prstGeom prst="rect">
+            <a:avLst/>
+          </a:prstGeom>
+          <a:noFill/>
+          <a:ln>
+            <a:solidFill>
+              <a:srgbClr val="23BAE3"/>
+            </a:solidFill>
+          </a:ln>
+        </p:spPr>
+        <p:style>
+          <a:lnRef idx="2">
+            <a:schemeClr val="accent1">
+              <a:shade val="50000"/>
+            </a:schemeClr>
+          </a:lnRef>
+          <a:fillRef idx="1">
+            <a:schemeClr val="accent1"/>
+          </a:fillRef>
+          <a:effectRef idx="0">
+            <a:schemeClr val="accent1"/>
+          </a:effectRef>
+          <a:fontRef idx="minor">
+            <a:schemeClr val="lt1"/>
+          </a:fontRef>
+        </p:style>
+        <p:txBody>
+          <a:bodyPr rtlCol="0" anchor="ctr"/>
+          <a:lstStyle/>
+          <a:p>
+            <a:pPr algn="ctr"/>
+            <a:endParaRPr lang="de-DE"/>
+          </a:p>
+        </p:txBody>
+      </p:sp>
+      <p:sp>
+        <p:nvSpPr>
+          <p:cNvPr id="22" name="Rechteck 21"/>
+          <p:cNvSpPr/>
+          <p:nvPr/>
+        </p:nvSpPr>
+        <p:spPr>
+          <a:xfrm>
+            <a:off x="548639" y="4713687"/>
+            <a:ext cx="5768219" cy="4558329"/>
+          </a:xfrm>
+          <a:prstGeom prst="rect">
+            <a:avLst/>
+          </a:prstGeom>
+          <a:noFill/>
+          <a:ln>
+            <a:solidFill>
+              <a:srgbClr val="23BAE3"/>
+            </a:solidFill>
+          </a:ln>
+        </p:spPr>
+        <p:style>
+          <a:lnRef idx="2">
+            <a:schemeClr val="accent1">
+              <a:shade val="50000"/>
+            </a:schemeClr>
+          </a:lnRef>
+          <a:fillRef idx="1">
+            <a:schemeClr val="accent1"/>
+          </a:fillRef>
+          <a:effectRef idx="0">
+            <a:schemeClr val="accent1"/>
+          </a:effectRef>
+          <a:fontRef idx="minor">
+            <a:schemeClr val="lt1"/>
+          </a:fontRef>
+        </p:style>
+        <p:txBody>
+          <a:bodyPr rtlCol="0" anchor="ctr"/>
+          <a:lstStyle/>
+          <a:p>
+            <a:pPr algn="ctr"/>
+            <a:endParaRPr lang="de-DE"/>
           </a:p>
         </p:txBody>
       </p:sp>
